--- a/Portfolio Planning/INFT4000_PortfolioPlanning_NeoLee.pptx
+++ b/Portfolio Planning/INFT4000_PortfolioPlanning_NeoLee.pptx
@@ -231,7 +231,7 @@
           <a:p>
             <a:fld id="{762B48F5-BACC-47D6-A0F7-82FBF9C6BC85}" type="datetimeFigureOut">
               <a:rPr lang="en-US"/>
-              <a:t>11/15/2020</a:t>
+              <a:t>12/5/2020</a:t>
             </a:fld>
             <a:endParaRPr/>
           </a:p>
@@ -396,7 +396,7 @@
           <a:p>
             <a:fld id="{0CB1CD00-5424-4675-AB18-2C419B060449}" type="datetimeFigureOut">
               <a:rPr lang="en-US"/>
-              <a:t>11/15/2020</a:t>
+              <a:t>12/5/2020</a:t>
             </a:fld>
             <a:endParaRPr/>
           </a:p>
@@ -1041,7 +1041,7 @@
           <a:p>
             <a:fld id="{37CC0096-1860-4642-9CD2-0079EA5E7CD1}" type="datetimeFigureOut">
               <a:rPr lang="en-US" smtClean="0"/>
-              <a:t>11/15/2020</a:t>
+              <a:t>12/5/2020</a:t>
             </a:fld>
             <a:endParaRPr lang="en-US"/>
           </a:p>
@@ -1220,7 +1220,7 @@
           <a:p>
             <a:fld id="{37CC0096-1860-4642-9CD2-0079EA5E7CD1}" type="datetimeFigureOut">
               <a:rPr lang="en-US" smtClean="0"/>
-              <a:t>11/15/2020</a:t>
+              <a:t>12/5/2020</a:t>
             </a:fld>
             <a:endParaRPr lang="en-US"/>
           </a:p>
@@ -1393,7 +1393,7 @@
           <a:p>
             <a:fld id="{37CC0096-1860-4642-9CD2-0079EA5E7CD1}" type="datetimeFigureOut">
               <a:rPr lang="en-US" smtClean="0"/>
-              <a:t>11/15/2020</a:t>
+              <a:t>12/5/2020</a:t>
             </a:fld>
             <a:endParaRPr lang="en-US"/>
           </a:p>
@@ -1826,7 +1826,7 @@
           <a:p>
             <a:fld id="{37CC0096-1860-4642-9CD2-0079EA5E7CD1}" type="datetimeFigureOut">
               <a:rPr lang="en-US" smtClean="0"/>
-              <a:t>11/15/2020</a:t>
+              <a:t>12/5/2020</a:t>
             </a:fld>
             <a:endParaRPr lang="en-US"/>
           </a:p>
@@ -2265,7 +2265,7 @@
           <a:p>
             <a:fld id="{37CC0096-1860-4642-9CD2-0079EA5E7CD1}" type="datetimeFigureOut">
               <a:rPr lang="en-US" smtClean="0"/>
-              <a:t>11/15/2020</a:t>
+              <a:t>12/5/2020</a:t>
             </a:fld>
             <a:endParaRPr lang="en-US"/>
           </a:p>
@@ -2382,7 +2382,7 @@
           <a:p>
             <a:fld id="{37CC0096-1860-4642-9CD2-0079EA5E7CD1}" type="datetimeFigureOut">
               <a:rPr lang="en-US" smtClean="0"/>
-              <a:t>11/15/2020</a:t>
+              <a:t>12/5/2020</a:t>
             </a:fld>
             <a:endParaRPr lang="en-US"/>
           </a:p>
@@ -2477,7 +2477,7 @@
           <a:p>
             <a:fld id="{37CC0096-1860-4642-9CD2-0079EA5E7CD1}" type="datetimeFigureOut">
               <a:rPr lang="en-US" smtClean="0"/>
-              <a:t>11/15/2020</a:t>
+              <a:t>12/5/2020</a:t>
             </a:fld>
             <a:endParaRPr lang="en-US"/>
           </a:p>
@@ -2761,7 +2761,7 @@
           <a:p>
             <a:fld id="{37CC0096-1860-4642-9CD2-0079EA5E7CD1}" type="datetimeFigureOut">
               <a:rPr lang="en-US" smtClean="0"/>
-              <a:t>11/15/2020</a:t>
+              <a:t>12/5/2020</a:t>
             </a:fld>
             <a:endParaRPr lang="en-US"/>
           </a:p>
@@ -3072,7 +3072,7 @@
           <a:p>
             <a:fld id="{37CC0096-1860-4642-9CD2-0079EA5E7CD1}" type="datetimeFigureOut">
               <a:rPr lang="en-US" smtClean="0"/>
-              <a:t>11/15/2020</a:t>
+              <a:t>12/5/2020</a:t>
             </a:fld>
             <a:endParaRPr lang="en-US"/>
           </a:p>
@@ -3304,7 +3304,7 @@
             <a:fld id="{37CC0096-1860-4642-9CD2-0079EA5E7CD1}" type="datetimeFigureOut">
               <a:rPr lang="en-US" smtClean="0"/>
               <a:pPr/>
-              <a:t>11/15/2020</a:t>
+              <a:t>12/5/2020</a:t>
             </a:fld>
             <a:endParaRPr lang="en-US"/>
           </a:p>
@@ -4457,10 +4457,10 @@
       </p:grpSpPr>
       <p:pic>
         <p:nvPicPr>
-          <p:cNvPr id="6" name="Picture 5">
+          <p:cNvPr id="3" name="Picture 2">
             <a:extLst>
               <a:ext uri="{FF2B5EF4-FFF2-40B4-BE49-F238E27FC236}">
-                <a16:creationId xmlns:a16="http://schemas.microsoft.com/office/drawing/2014/main" id="{225BC640-B9A3-4622-B242-D730AD483D21}"/>
+                <a16:creationId xmlns:a16="http://schemas.microsoft.com/office/drawing/2014/main" id="{C31BBD45-BFD0-4C77-84E6-B4D189E71C8C}"/>
               </a:ext>
             </a:extLst>
           </p:cNvPr>
@@ -4477,8 +4477,8 @@
         </p:blipFill>
         <p:spPr>
           <a:xfrm>
-            <a:off x="119336" y="576146"/>
-            <a:ext cx="11953328" cy="5705707"/>
+            <a:off x="481217" y="576001"/>
+            <a:ext cx="11229565" cy="5705997"/>
           </a:xfrm>
           <a:prstGeom prst="rect">
             <a:avLst/>
@@ -4568,6 +4568,114 @@
           <a:chExt cx="0" cy="0"/>
         </a:xfrm>
       </p:grpSpPr>
+      <p:sp>
+        <p:nvSpPr>
+          <p:cNvPr id="2" name="Title 1">
+            <a:extLst>
+              <a:ext uri="{FF2B5EF4-FFF2-40B4-BE49-F238E27FC236}">
+                <a16:creationId xmlns:a16="http://schemas.microsoft.com/office/drawing/2014/main" id="{E3FB7F00-1544-4FB3-9FF6-E360D8E24FDC}"/>
+              </a:ext>
+            </a:extLst>
+          </p:cNvPr>
+          <p:cNvSpPr>
+            <a:spLocks noGrp="1"/>
+          </p:cNvSpPr>
+          <p:nvPr>
+            <p:ph type="title"/>
+          </p:nvPr>
+        </p:nvSpPr>
+        <p:spPr>
+          <a:xfrm>
+            <a:off x="1524000" y="457200"/>
+            <a:ext cx="9144000" cy="1243608"/>
+          </a:xfrm>
+        </p:spPr>
+        <p:txBody>
+          <a:bodyPr>
+            <a:normAutofit/>
+          </a:bodyPr>
+          <a:lstStyle/>
+          <a:p>
+            <a:r>
+              <a:rPr lang="en-US" dirty="0"/>
+              <a:t>It is made the word document</a:t>
+            </a:r>
+            <a:br>
+              <a:rPr lang="en-US" dirty="0"/>
+            </a:br>
+            <a:endParaRPr lang="en-US" dirty="0"/>
+          </a:p>
+        </p:txBody>
+      </p:sp>
+      <p:graphicFrame>
+        <p:nvGraphicFramePr>
+          <p:cNvPr id="3" name="Object 2">
+            <a:extLst>
+              <a:ext uri="{FF2B5EF4-FFF2-40B4-BE49-F238E27FC236}">
+                <a16:creationId xmlns:a16="http://schemas.microsoft.com/office/drawing/2014/main" id="{ACF54CE2-14D0-4091-832A-15AA08F9FCDF}"/>
+              </a:ext>
+            </a:extLst>
+          </p:cNvPr>
+          <p:cNvGraphicFramePr>
+            <a:graphicFrameLocks noChangeAspect="1"/>
+          </p:cNvGraphicFramePr>
+          <p:nvPr>
+            <p:extLst>
+              <p:ext uri="{D42A27DB-BD31-4B8C-83A1-F6EECF244321}">
+                <p14:modId xmlns:p14="http://schemas.microsoft.com/office/powerpoint/2010/main" val="2420054062"/>
+              </p:ext>
+            </p:extLst>
+          </p:nvPr>
+        </p:nvGraphicFramePr>
+        <p:xfrm>
+          <a:off x="1549400" y="1479550"/>
+          <a:ext cx="9169400" cy="4762500"/>
+        </p:xfrm>
+        <a:graphic>
+          <a:graphicData uri="http://schemas.openxmlformats.org/presentationml/2006/ole">
+            <mc:AlternateContent xmlns:mc="http://schemas.openxmlformats.org/markup-compatibility/2006">
+              <mc:Choice xmlns:v="urn:schemas-microsoft-com:vml" Requires="v">
+                <p:oleObj spid="_x0000_s1030" name="Document" r:id="rId3" imgW="9285355" imgH="7083758" progId="Word.Document.8">
+                  <p:embed/>
+                </p:oleObj>
+              </mc:Choice>
+              <mc:Fallback>
+                <p:oleObj name="Document" r:id="rId3" imgW="9285355" imgH="7083758" progId="Word.Document.8">
+                  <p:embed/>
+                  <p:pic>
+                    <p:nvPicPr>
+                      <p:cNvPr id="0" name=""/>
+                      <p:cNvPicPr/>
+                      <p:nvPr/>
+                    </p:nvPicPr>
+                    <p:blipFill>
+                      <a:blip r:embed="rId4"/>
+                      <a:stretch>
+                        <a:fillRect/>
+                      </a:stretch>
+                    </p:blipFill>
+                    <p:spPr>
+                      <a:xfrm>
+                        <a:off x="1549400" y="1479550"/>
+                        <a:ext cx="9169400" cy="4762500"/>
+                      </a:xfrm>
+                      <a:prstGeom prst="rect">
+                        <a:avLst/>
+                      </a:prstGeom>
+                      <a:solidFill>
+                        <a:schemeClr val="accent1">
+                          <a:lumMod val="40000"/>
+                          <a:lumOff val="60000"/>
+                        </a:schemeClr>
+                      </a:solidFill>
+                    </p:spPr>
+                  </p:pic>
+                </p:oleObj>
+              </mc:Fallback>
+            </mc:AlternateContent>
+          </a:graphicData>
+        </a:graphic>
+      </p:graphicFrame>
     </p:spTree>
     <p:extLst>
       <p:ext uri="{BB962C8B-B14F-4D97-AF65-F5344CB8AC3E}">
@@ -4772,7 +4880,7 @@
         <p:spPr>
           <a:xfrm>
             <a:off x="1524000" y="476672"/>
-            <a:ext cx="9144000" cy="3888432"/>
+            <a:ext cx="9144000" cy="5328592"/>
           </a:xfrm>
         </p:spPr>
         <p:txBody>
@@ -4783,7 +4891,27 @@
           <a:p>
             <a:r>
               <a:rPr lang="en-US" dirty="0"/>
-              <a:t>A pre-primary teacher needs to purchase a goods for children in a class and the teacher must submit a reconciliation every month about it. This project will produce an automation for this requirements through the application using electron.js.</a:t>
+              <a:t>Pre-primary teachers need to purchase goods for the children in classes.</a:t>
+            </a:r>
+            <a:br>
+              <a:rPr lang="en-US" dirty="0"/>
+            </a:br>
+            <a:br>
+              <a:rPr lang="en-US" dirty="0"/>
+            </a:br>
+            <a:r>
+              <a:rPr lang="en-US" dirty="0"/>
+              <a:t>After purchasing, a teacher must submit a reconciliation report to a director every month.</a:t>
+            </a:r>
+            <a:br>
+              <a:rPr lang="en-US" dirty="0"/>
+            </a:br>
+            <a:br>
+              <a:rPr lang="en-US" dirty="0"/>
+            </a:br>
+            <a:r>
+              <a:rPr lang="en-US" dirty="0"/>
+              <a:t>This project will produce an automation for this requirements through the application by developing with electron.js.</a:t>
             </a:r>
             <a:endParaRPr dirty="0"/>
           </a:p>
@@ -5153,7 +5281,7 @@
         <p:spPr>
           <a:xfrm>
             <a:off x="0" y="0"/>
-            <a:ext cx="12192000" cy="6858000"/>
+            <a:ext cx="12192000" cy="6885384"/>
           </a:xfrm>
           <a:prstGeom prst="rect">
             <a:avLst/>
@@ -5259,7 +5387,7 @@
         <p:spPr>
           <a:xfrm>
             <a:off x="623392" y="1130260"/>
-            <a:ext cx="1156086" cy="923330"/>
+            <a:ext cx="1205779" cy="923330"/>
           </a:xfrm>
           <a:prstGeom prst="rect">
             <a:avLst/>
@@ -5285,10 +5413,9 @@
           </a:p>
           <a:p>
             <a:r>
-              <a:rPr lang="en-US" dirty="0" err="1"/>
-              <a:t>MainPage</a:t>
-            </a:r>
-            <a:endParaRPr lang="en-US" dirty="0"/>
+              <a:rPr lang="en-US" dirty="0"/>
+              <a:t>Main Page</a:t>
+            </a:r>
           </a:p>
         </p:txBody>
       </p:sp>
